--- a/IdoSaulWebsite/images/מצגת1.pptx
+++ b/IdoSaulWebsite/images/מצגת1.pptx
@@ -104,6 +104,11 @@
       </a:defRPr>
     </a:lvl9pPr>
   </p:defaultTextStyle>
+  <p:extLst>
+    <p:ext uri="{EFAFB233-063F-42B5-8137-9DF3F51BA10A}">
+      <p15:sldGuideLst xmlns:p15="http://schemas.microsoft.com/office/powerpoint/2012/main"/>
+    </p:ext>
+  </p:extLst>
 </p:presentation>
 </file>
 
@@ -254,7 +259,7 @@
           <a:p>
             <a:fld id="{0E87D541-BC8D-4FB8-A914-C6925BF98314}" type="datetimeFigureOut">
               <a:rPr lang="he-IL" smtClean="0"/>
-              <a:t>כ'/כסלו/תשפ"ו</a:t>
+              <a:t>כ"ה/טבת/תשפ"ו</a:t>
             </a:fld>
             <a:endParaRPr lang="he-IL"/>
           </a:p>
@@ -452,7 +457,7 @@
           <a:p>
             <a:fld id="{0E87D541-BC8D-4FB8-A914-C6925BF98314}" type="datetimeFigureOut">
               <a:rPr lang="he-IL" smtClean="0"/>
-              <a:t>כ'/כסלו/תשפ"ו</a:t>
+              <a:t>כ"ה/טבת/תשפ"ו</a:t>
             </a:fld>
             <a:endParaRPr lang="he-IL"/>
           </a:p>
@@ -660,7 +665,7 @@
           <a:p>
             <a:fld id="{0E87D541-BC8D-4FB8-A914-C6925BF98314}" type="datetimeFigureOut">
               <a:rPr lang="he-IL" smtClean="0"/>
-              <a:t>כ'/כסלו/תשפ"ו</a:t>
+              <a:t>כ"ה/טבת/תשפ"ו</a:t>
             </a:fld>
             <a:endParaRPr lang="he-IL"/>
           </a:p>
@@ -858,7 +863,7 @@
           <a:p>
             <a:fld id="{0E87D541-BC8D-4FB8-A914-C6925BF98314}" type="datetimeFigureOut">
               <a:rPr lang="he-IL" smtClean="0"/>
-              <a:t>כ'/כסלו/תשפ"ו</a:t>
+              <a:t>כ"ה/טבת/תשפ"ו</a:t>
             </a:fld>
             <a:endParaRPr lang="he-IL"/>
           </a:p>
@@ -1133,7 +1138,7 @@
           <a:p>
             <a:fld id="{0E87D541-BC8D-4FB8-A914-C6925BF98314}" type="datetimeFigureOut">
               <a:rPr lang="he-IL" smtClean="0"/>
-              <a:t>כ'/כסלו/תשפ"ו</a:t>
+              <a:t>כ"ה/טבת/תשפ"ו</a:t>
             </a:fld>
             <a:endParaRPr lang="he-IL"/>
           </a:p>
@@ -1398,7 +1403,7 @@
           <a:p>
             <a:fld id="{0E87D541-BC8D-4FB8-A914-C6925BF98314}" type="datetimeFigureOut">
               <a:rPr lang="he-IL" smtClean="0"/>
-              <a:t>כ'/כסלו/תשפ"ו</a:t>
+              <a:t>כ"ה/טבת/תשפ"ו</a:t>
             </a:fld>
             <a:endParaRPr lang="he-IL"/>
           </a:p>
@@ -1810,7 +1815,7 @@
           <a:p>
             <a:fld id="{0E87D541-BC8D-4FB8-A914-C6925BF98314}" type="datetimeFigureOut">
               <a:rPr lang="he-IL" smtClean="0"/>
-              <a:t>כ'/כסלו/תשפ"ו</a:t>
+              <a:t>כ"ה/טבת/תשפ"ו</a:t>
             </a:fld>
             <a:endParaRPr lang="he-IL"/>
           </a:p>
@@ -1951,7 +1956,7 @@
           <a:p>
             <a:fld id="{0E87D541-BC8D-4FB8-A914-C6925BF98314}" type="datetimeFigureOut">
               <a:rPr lang="he-IL" smtClean="0"/>
-              <a:t>כ'/כסלו/תשפ"ו</a:t>
+              <a:t>כ"ה/טבת/תשפ"ו</a:t>
             </a:fld>
             <a:endParaRPr lang="he-IL"/>
           </a:p>
@@ -2064,7 +2069,7 @@
           <a:p>
             <a:fld id="{0E87D541-BC8D-4FB8-A914-C6925BF98314}" type="datetimeFigureOut">
               <a:rPr lang="he-IL" smtClean="0"/>
-              <a:t>כ'/כסלו/תשפ"ו</a:t>
+              <a:t>כ"ה/טבת/תשפ"ו</a:t>
             </a:fld>
             <a:endParaRPr lang="he-IL"/>
           </a:p>
@@ -2375,7 +2380,7 @@
           <a:p>
             <a:fld id="{0E87D541-BC8D-4FB8-A914-C6925BF98314}" type="datetimeFigureOut">
               <a:rPr lang="he-IL" smtClean="0"/>
-              <a:t>כ'/כסלו/תשפ"ו</a:t>
+              <a:t>כ"ה/טבת/תשפ"ו</a:t>
             </a:fld>
             <a:endParaRPr lang="he-IL"/>
           </a:p>
@@ -2663,7 +2668,7 @@
           <a:p>
             <a:fld id="{0E87D541-BC8D-4FB8-A914-C6925BF98314}" type="datetimeFigureOut">
               <a:rPr lang="he-IL" smtClean="0"/>
-              <a:t>כ'/כסלו/תשפ"ו</a:t>
+              <a:t>כ"ה/טבת/תשפ"ו</a:t>
             </a:fld>
             <a:endParaRPr lang="he-IL"/>
           </a:p>
@@ -2904,7 +2909,7 @@
           <a:p>
             <a:fld id="{0E87D541-BC8D-4FB8-A914-C6925BF98314}" type="datetimeFigureOut">
               <a:rPr lang="he-IL" smtClean="0"/>
-              <a:t>כ'/כסלו/תשפ"ו</a:t>
+              <a:t>כ"ה/טבת/תשפ"ו</a:t>
             </a:fld>
             <a:endParaRPr lang="he-IL"/>
           </a:p>
@@ -3323,51 +3328,143 @@
       </p:grpSpPr>
       <p:sp>
         <p:nvSpPr>
-          <p:cNvPr id="2" name="כותרת 1">
-            <a:extLst>
-              <a:ext uri="{FF2B5EF4-FFF2-40B4-BE49-F238E27FC236}">
-                <a16:creationId xmlns:a16="http://schemas.microsoft.com/office/drawing/2014/main" id="{370CDE53-51E9-C04E-DF7E-4A28045B05DA}"/>
-              </a:ext>
-            </a:extLst>
-          </p:cNvPr>
-          <p:cNvSpPr>
-            <a:spLocks noGrp="1"/>
-          </p:cNvSpPr>
-          <p:nvPr>
-            <p:ph type="ctrTitle"/>
-          </p:nvPr>
-        </p:nvSpPr>
-        <p:spPr/>
-        <p:txBody>
-          <a:bodyPr/>
-          <a:lstStyle/>
-          <a:p>
-            <a:endParaRPr lang="he-IL"/>
-          </a:p>
-        </p:txBody>
-      </p:sp>
-      <p:sp>
-        <p:nvSpPr>
-          <p:cNvPr id="3" name="כותרת משנה 2">
-            <a:extLst>
-              <a:ext uri="{FF2B5EF4-FFF2-40B4-BE49-F238E27FC236}">
-                <a16:creationId xmlns:a16="http://schemas.microsoft.com/office/drawing/2014/main" id="{B634D812-C6FE-00D4-D913-A2CAA409350F}"/>
-              </a:ext>
-            </a:extLst>
-          </p:cNvPr>
-          <p:cNvSpPr>
-            <a:spLocks noGrp="1"/>
-          </p:cNvSpPr>
-          <p:nvPr>
-            <p:ph type="subTitle" idx="1"/>
-          </p:nvPr>
-        </p:nvSpPr>
-        <p:spPr/>
-        <p:txBody>
-          <a:bodyPr/>
-          <a:lstStyle/>
-          <a:p>
-            <a:endParaRPr lang="he-IL"/>
+          <p:cNvPr id="4" name="מלבן 3">
+            <a:extLst>
+              <a:ext uri="{FF2B5EF4-FFF2-40B4-BE49-F238E27FC236}">
+                <a16:creationId xmlns:a16="http://schemas.microsoft.com/office/drawing/2014/main" id="{714A43DA-9944-C96C-159B-A9CFF046E066}"/>
+              </a:ext>
+            </a:extLst>
+          </p:cNvPr>
+          <p:cNvSpPr/>
+          <p:nvPr/>
+        </p:nvSpPr>
+        <p:spPr>
+          <a:xfrm>
+            <a:off x="10341864" y="1401763"/>
+            <a:ext cx="1188720" cy="914400"/>
+          </a:xfrm>
+          <a:prstGeom prst="rect">
+            <a:avLst/>
+          </a:prstGeom>
+        </p:spPr>
+        <p:style>
+          <a:lnRef idx="2">
+            <a:schemeClr val="accent1">
+              <a:shade val="15000"/>
+            </a:schemeClr>
+          </a:lnRef>
+          <a:fillRef idx="1">
+            <a:schemeClr val="accent1"/>
+          </a:fillRef>
+          <a:effectRef idx="0">
+            <a:schemeClr val="accent1"/>
+          </a:effectRef>
+          <a:fontRef idx="minor">
+            <a:schemeClr val="lt1"/>
+          </a:fontRef>
+        </p:style>
+        <p:txBody>
+          <a:bodyPr rtlCol="1" anchor="ctr"/>
+          <a:lstStyle/>
+          <a:p>
+            <a:pPr algn="ctr"/>
+            <a:r>
+              <a:rPr lang="en-US" dirty="0"/>
+              <a:t>Basketball </a:t>
+            </a:r>
+          </a:p>
+          <a:p>
+            <a:pPr algn="ctr"/>
+            <a:r>
+              <a:rPr lang="en-US" dirty="0"/>
+              <a:t>Teams</a:t>
+            </a:r>
+            <a:endParaRPr lang="he-IL" dirty="0"/>
+          </a:p>
+        </p:txBody>
+      </p:sp>
+      <p:sp>
+        <p:nvSpPr>
+          <p:cNvPr id="8" name="תיבת טקסט 7">
+            <a:extLst>
+              <a:ext uri="{FF2B5EF4-FFF2-40B4-BE49-F238E27FC236}">
+                <a16:creationId xmlns:a16="http://schemas.microsoft.com/office/drawing/2014/main" id="{2D8D8BE4-F15C-FB05-22C5-C0AD741A0A6A}"/>
+              </a:ext>
+            </a:extLst>
+          </p:cNvPr>
+          <p:cNvSpPr txBox="1"/>
+          <p:nvPr/>
+        </p:nvSpPr>
+        <p:spPr>
+          <a:xfrm>
+            <a:off x="3047238" y="3244334"/>
+            <a:ext cx="6094476" cy="369332"/>
+          </a:xfrm>
+          <a:prstGeom prst="rect">
+            <a:avLst/>
+          </a:prstGeom>
+          <a:noFill/>
+        </p:spPr>
+        <p:txBody>
+          <a:bodyPr wrap="square">
+            <a:spAutoFit/>
+          </a:bodyPr>
+          <a:lstStyle/>
+          <a:p>
+            <a:r>
+              <a:rPr lang="he-IL" dirty="0"/>
+              <a:t>C:\Users\User\Source\Repos\IdoSaul\IdoSaulWebsite\images</a:t>
+            </a:r>
+          </a:p>
+        </p:txBody>
+      </p:sp>
+      <p:sp>
+        <p:nvSpPr>
+          <p:cNvPr id="9" name="מלבן 8">
+            <a:extLst>
+              <a:ext uri="{FF2B5EF4-FFF2-40B4-BE49-F238E27FC236}">
+                <a16:creationId xmlns:a16="http://schemas.microsoft.com/office/drawing/2014/main" id="{83B812E9-5BCD-3927-8E29-CBC645C393E1}"/>
+              </a:ext>
+            </a:extLst>
+          </p:cNvPr>
+          <p:cNvSpPr/>
+          <p:nvPr/>
+        </p:nvSpPr>
+        <p:spPr>
+          <a:xfrm>
+            <a:off x="10549128" y="3627438"/>
+            <a:ext cx="1188720" cy="914400"/>
+          </a:xfrm>
+          <a:prstGeom prst="rect">
+            <a:avLst/>
+          </a:prstGeom>
+        </p:spPr>
+        <p:style>
+          <a:lnRef idx="2">
+            <a:schemeClr val="accent1">
+              <a:shade val="15000"/>
+            </a:schemeClr>
+          </a:lnRef>
+          <a:fillRef idx="1">
+            <a:schemeClr val="accent1"/>
+          </a:fillRef>
+          <a:effectRef idx="0">
+            <a:schemeClr val="accent1"/>
+          </a:effectRef>
+          <a:fontRef idx="minor">
+            <a:schemeClr val="lt1"/>
+          </a:fontRef>
+        </p:style>
+        <p:txBody>
+          <a:bodyPr rtlCol="1" anchor="ctr"/>
+          <a:lstStyle/>
+          <a:p>
+            <a:pPr algn="ctr"/>
+            <a:r>
+              <a:rPr lang="en-US" dirty="0"/>
+              <a:t>Register</a:t>
+            </a:r>
+            <a:endParaRPr lang="he-IL" dirty="0"/>
           </a:p>
         </p:txBody>
       </p:sp>
